--- a/Documentação/Prototipos de tela/Protótipo de Tela.pptx
+++ b/Documentação/Prototipos de tela/Protótipo de Tela.pptx
@@ -105,6 +105,11 @@
       </a:defRPr>
     </a:lvl9pPr>
   </p:defaultTextStyle>
+  <p:extLst>
+    <p:ext uri="{EFAFB233-063F-42B5-8137-9DF3F51BA10A}">
+      <p15:sldGuideLst xmlns:p15="http://schemas.microsoft.com/office/powerpoint/2012/main"/>
+    </p:ext>
+  </p:extLst>
 </p:presentation>
 </file>
 
@@ -3308,6 +3313,14 @@
 <file path=ppt/slides/slide1.xml><?xml version="1.0" encoding="utf-8"?>
 <p:sld xmlns:a="http://schemas.openxmlformats.org/drawingml/2006/main" xmlns:r="http://schemas.openxmlformats.org/officeDocument/2006/relationships" xmlns:p="http://schemas.openxmlformats.org/presentationml/2006/main">
   <p:cSld>
+    <p:bg>
+      <p:bgPr>
+        <a:solidFill>
+          <a:schemeClr val="bg1"/>
+        </a:solidFill>
+        <a:effectLst/>
+      </p:bgPr>
+    </p:bg>
     <p:spTree>
       <p:nvGrpSpPr>
         <p:cNvPr id="1" name=""/>
@@ -3322,62 +3335,12 @@
           <a:chExt cx="0" cy="0"/>
         </a:xfrm>
       </p:grpSpPr>
-      <p:sp>
-        <p:nvSpPr>
-          <p:cNvPr id="2" name="Título 1">
-            <a:extLst>
-              <a:ext uri="{FF2B5EF4-FFF2-40B4-BE49-F238E27FC236}">
-                <a16:creationId xmlns:a16="http://schemas.microsoft.com/office/drawing/2014/main" id="{81D8FA58-1872-4E9D-A45B-7DC54EA8678E}"/>
-              </a:ext>
-            </a:extLst>
-          </p:cNvPr>
-          <p:cNvSpPr>
-            <a:spLocks noGrp="1"/>
-          </p:cNvSpPr>
-          <p:nvPr>
-            <p:ph type="title"/>
-          </p:nvPr>
-        </p:nvSpPr>
-        <p:spPr/>
-        <p:txBody>
-          <a:bodyPr/>
-          <a:lstStyle/>
-          <a:p>
-            <a:endParaRPr lang="pt-BR"/>
-          </a:p>
-        </p:txBody>
-      </p:sp>
-      <p:sp>
-        <p:nvSpPr>
-          <p:cNvPr id="3" name="Espaço Reservado para Conteúdo 2">
-            <a:extLst>
-              <a:ext uri="{FF2B5EF4-FFF2-40B4-BE49-F238E27FC236}">
-                <a16:creationId xmlns:a16="http://schemas.microsoft.com/office/drawing/2014/main" id="{80464BDD-9D96-4F51-AC8C-21EFE8651763}"/>
-              </a:ext>
-            </a:extLst>
-          </p:cNvPr>
-          <p:cNvSpPr>
-            <a:spLocks noGrp="1"/>
-          </p:cNvSpPr>
-          <p:nvPr>
-            <p:ph idx="1"/>
-          </p:nvPr>
-        </p:nvSpPr>
-        <p:spPr/>
-        <p:txBody>
-          <a:bodyPr/>
-          <a:lstStyle/>
-          <a:p>
-            <a:endParaRPr lang="pt-BR"/>
-          </a:p>
-        </p:txBody>
-      </p:sp>
       <p:pic>
         <p:nvPicPr>
-          <p:cNvPr id="7" name="Imagem 6">
-            <a:extLst>
-              <a:ext uri="{FF2B5EF4-FFF2-40B4-BE49-F238E27FC236}">
-                <a16:creationId xmlns:a16="http://schemas.microsoft.com/office/drawing/2014/main" id="{579967BB-2DBB-45A3-84FB-ACEF50D0F89E}"/>
+          <p:cNvPr id="5" name="Imagem 4">
+            <a:extLst>
+              <a:ext uri="{FF2B5EF4-FFF2-40B4-BE49-F238E27FC236}">
+                <a16:creationId xmlns:a16="http://schemas.microsoft.com/office/drawing/2014/main" id="{E4F2AF07-184B-469E-BF7F-D02F03A09FEC}"/>
               </a:ext>
             </a:extLst>
           </p:cNvPr>
@@ -3394,14 +3357,55 @@
         </p:blipFill>
         <p:spPr>
           <a:xfrm>
-            <a:off x="1303606" y="-5040"/>
-            <a:ext cx="9584788" cy="6868080"/>
+            <a:off x="1219200" y="-45719"/>
+            <a:ext cx="9753600" cy="6949438"/>
           </a:xfrm>
           <a:prstGeom prst="rect">
             <a:avLst/>
           </a:prstGeom>
         </p:spPr>
       </p:pic>
+      <p:cxnSp>
+        <p:nvCxnSpPr>
+          <p:cNvPr id="8" name="Conector reto 7">
+            <a:extLst>
+              <a:ext uri="{FF2B5EF4-FFF2-40B4-BE49-F238E27FC236}">
+                <a16:creationId xmlns:a16="http://schemas.microsoft.com/office/drawing/2014/main" id="{4D245216-AFDE-4B38-A3E9-116FE2ACC179}"/>
+              </a:ext>
+            </a:extLst>
+          </p:cNvPr>
+          <p:cNvCxnSpPr/>
+          <p:nvPr/>
+        </p:nvCxnSpPr>
+        <p:spPr>
+          <a:xfrm>
+            <a:off x="1219200" y="914400"/>
+            <a:ext cx="0" cy="5989319"/>
+          </a:xfrm>
+          <a:prstGeom prst="line">
+            <a:avLst/>
+          </a:prstGeom>
+          <a:ln>
+            <a:solidFill>
+              <a:schemeClr val="bg2"/>
+            </a:solidFill>
+          </a:ln>
+        </p:spPr>
+        <p:style>
+          <a:lnRef idx="1">
+            <a:schemeClr val="accent1"/>
+          </a:lnRef>
+          <a:fillRef idx="0">
+            <a:schemeClr val="accent1"/>
+          </a:fillRef>
+          <a:effectRef idx="0">
+            <a:schemeClr val="accent1"/>
+          </a:effectRef>
+          <a:fontRef idx="minor">
+            <a:schemeClr val="tx1"/>
+          </a:fontRef>
+        </p:style>
+      </p:cxnSp>
     </p:spTree>
     <p:extLst>
       <p:ext uri="{BB962C8B-B14F-4D97-AF65-F5344CB8AC3E}">
@@ -3418,6 +3422,14 @@
 <file path=ppt/slides/slide2.xml><?xml version="1.0" encoding="utf-8"?>
 <p:sld xmlns:a="http://schemas.openxmlformats.org/drawingml/2006/main" xmlns:r="http://schemas.openxmlformats.org/officeDocument/2006/relationships" xmlns:p="http://schemas.openxmlformats.org/presentationml/2006/main">
   <p:cSld>
+    <p:bg>
+      <p:bgPr>
+        <a:solidFill>
+          <a:schemeClr val="bg1"/>
+        </a:solidFill>
+        <a:effectLst/>
+      </p:bgPr>
+    </p:bg>
     <p:spTree>
       <p:nvGrpSpPr>
         <p:cNvPr id="1" name=""/>
@@ -3432,62 +3444,12 @@
           <a:chExt cx="0" cy="0"/>
         </a:xfrm>
       </p:grpSpPr>
-      <p:sp>
-        <p:nvSpPr>
-          <p:cNvPr id="2" name="Título 1">
-            <a:extLst>
-              <a:ext uri="{FF2B5EF4-FFF2-40B4-BE49-F238E27FC236}">
-                <a16:creationId xmlns:a16="http://schemas.microsoft.com/office/drawing/2014/main" id="{3CCEAE8A-D332-46AF-AB36-36ED7B3E5045}"/>
-              </a:ext>
-            </a:extLst>
-          </p:cNvPr>
-          <p:cNvSpPr>
-            <a:spLocks noGrp="1"/>
-          </p:cNvSpPr>
-          <p:nvPr>
-            <p:ph type="title"/>
-          </p:nvPr>
-        </p:nvSpPr>
-        <p:spPr/>
-        <p:txBody>
-          <a:bodyPr/>
-          <a:lstStyle/>
-          <a:p>
-            <a:endParaRPr lang="pt-BR"/>
-          </a:p>
-        </p:txBody>
-      </p:sp>
-      <p:sp>
-        <p:nvSpPr>
-          <p:cNvPr id="3" name="Espaço Reservado para Conteúdo 2">
-            <a:extLst>
-              <a:ext uri="{FF2B5EF4-FFF2-40B4-BE49-F238E27FC236}">
-                <a16:creationId xmlns:a16="http://schemas.microsoft.com/office/drawing/2014/main" id="{0497F62C-0C1A-4680-87CC-D4A1D6BFACAE}"/>
-              </a:ext>
-            </a:extLst>
-          </p:cNvPr>
-          <p:cNvSpPr>
-            <a:spLocks noGrp="1"/>
-          </p:cNvSpPr>
-          <p:nvPr>
-            <p:ph idx="1"/>
-          </p:nvPr>
-        </p:nvSpPr>
-        <p:spPr/>
-        <p:txBody>
-          <a:bodyPr/>
-          <a:lstStyle/>
-          <a:p>
-            <a:endParaRPr lang="pt-BR"/>
-          </a:p>
-        </p:txBody>
-      </p:sp>
       <p:pic>
         <p:nvPicPr>
-          <p:cNvPr id="7" name="Imagem 6">
-            <a:extLst>
-              <a:ext uri="{FF2B5EF4-FFF2-40B4-BE49-F238E27FC236}">
-                <a16:creationId xmlns:a16="http://schemas.microsoft.com/office/drawing/2014/main" id="{5AE73123-4F7C-4735-B13B-5C6CCDD1A51B}"/>
+          <p:cNvPr id="10" name="Imagem 9">
+            <a:extLst>
+              <a:ext uri="{FF2B5EF4-FFF2-40B4-BE49-F238E27FC236}">
+                <a16:creationId xmlns:a16="http://schemas.microsoft.com/office/drawing/2014/main" id="{8F823A91-7E12-415B-AAAF-54EC2817CC22}"/>
               </a:ext>
             </a:extLst>
           </p:cNvPr>
@@ -3504,14 +3466,57 @@
         </p:blipFill>
         <p:spPr>
           <a:xfrm>
-            <a:off x="1258957" y="0"/>
-            <a:ext cx="9674086" cy="6844144"/>
+            <a:off x="1269435" y="0"/>
+            <a:ext cx="9653130" cy="6857998"/>
           </a:xfrm>
           <a:prstGeom prst="rect">
             <a:avLst/>
           </a:prstGeom>
         </p:spPr>
       </p:pic>
+      <p:cxnSp>
+        <p:nvCxnSpPr>
+          <p:cNvPr id="6" name="Conector reto 5">
+            <a:extLst>
+              <a:ext uri="{FF2B5EF4-FFF2-40B4-BE49-F238E27FC236}">
+                <a16:creationId xmlns:a16="http://schemas.microsoft.com/office/drawing/2014/main" id="{B5F33FE9-33C1-465E-80E4-9789C56D37CA}"/>
+              </a:ext>
+            </a:extLst>
+          </p:cNvPr>
+          <p:cNvCxnSpPr>
+            <a:cxnSpLocks/>
+          </p:cNvCxnSpPr>
+          <p:nvPr/>
+        </p:nvCxnSpPr>
+        <p:spPr>
+          <a:xfrm>
+            <a:off x="1269435" y="953740"/>
+            <a:ext cx="0" cy="5989319"/>
+          </a:xfrm>
+          <a:prstGeom prst="line">
+            <a:avLst/>
+          </a:prstGeom>
+          <a:ln>
+            <a:solidFill>
+              <a:schemeClr val="bg2"/>
+            </a:solidFill>
+          </a:ln>
+        </p:spPr>
+        <p:style>
+          <a:lnRef idx="1">
+            <a:schemeClr val="accent1"/>
+          </a:lnRef>
+          <a:fillRef idx="0">
+            <a:schemeClr val="accent1"/>
+          </a:fillRef>
+          <a:effectRef idx="0">
+            <a:schemeClr val="accent1"/>
+          </a:effectRef>
+          <a:fontRef idx="minor">
+            <a:schemeClr val="tx1"/>
+          </a:fontRef>
+        </p:style>
+      </p:cxnSp>
     </p:spTree>
     <p:extLst>
       <p:ext uri="{BB962C8B-B14F-4D97-AF65-F5344CB8AC3E}">

--- a/Documentação/Prototipos de tela/Protótipo de Tela.pptx
+++ b/Documentação/Prototipos de tela/Protótipo de Tela.pptx
@@ -3444,36 +3444,6 @@
           <a:chExt cx="0" cy="0"/>
         </a:xfrm>
       </p:grpSpPr>
-      <p:pic>
-        <p:nvPicPr>
-          <p:cNvPr id="10" name="Imagem 9">
-            <a:extLst>
-              <a:ext uri="{FF2B5EF4-FFF2-40B4-BE49-F238E27FC236}">
-                <a16:creationId xmlns:a16="http://schemas.microsoft.com/office/drawing/2014/main" id="{8F823A91-7E12-415B-AAAF-54EC2817CC22}"/>
-              </a:ext>
-            </a:extLst>
-          </p:cNvPr>
-          <p:cNvPicPr>
-            <a:picLocks noChangeAspect="1"/>
-          </p:cNvPicPr>
-          <p:nvPr/>
-        </p:nvPicPr>
-        <p:blipFill>
-          <a:blip r:embed="rId2"/>
-          <a:stretch>
-            <a:fillRect/>
-          </a:stretch>
-        </p:blipFill>
-        <p:spPr>
-          <a:xfrm>
-            <a:off x="1269435" y="0"/>
-            <a:ext cx="9653130" cy="6857998"/>
-          </a:xfrm>
-          <a:prstGeom prst="rect">
-            <a:avLst/>
-          </a:prstGeom>
-        </p:spPr>
-      </p:pic>
       <p:cxnSp>
         <p:nvCxnSpPr>
           <p:cNvPr id="6" name="Conector reto 5">
@@ -3517,6 +3487,36 @@
           </a:fontRef>
         </p:style>
       </p:cxnSp>
+      <p:pic>
+        <p:nvPicPr>
+          <p:cNvPr id="3" name="Imagem 2">
+            <a:extLst>
+              <a:ext uri="{FF2B5EF4-FFF2-40B4-BE49-F238E27FC236}">
+                <a16:creationId xmlns:a16="http://schemas.microsoft.com/office/drawing/2014/main" id="{86822BFB-56A0-412D-A838-FCF942766BD8}"/>
+              </a:ext>
+            </a:extLst>
+          </p:cNvPr>
+          <p:cNvPicPr>
+            <a:picLocks noChangeAspect="1"/>
+          </p:cNvPicPr>
+          <p:nvPr/>
+        </p:nvPicPr>
+        <p:blipFill>
+          <a:blip r:embed="rId2"/>
+          <a:stretch>
+            <a:fillRect/>
+          </a:stretch>
+        </p:blipFill>
+        <p:spPr>
+          <a:xfrm>
+            <a:off x="1269433" y="-65414"/>
+            <a:ext cx="9653132" cy="6923414"/>
+          </a:xfrm>
+          <a:prstGeom prst="rect">
+            <a:avLst/>
+          </a:prstGeom>
+        </p:spPr>
+      </p:pic>
     </p:spTree>
     <p:extLst>
       <p:ext uri="{BB962C8B-B14F-4D97-AF65-F5344CB8AC3E}">

--- a/Documentação/Prototipos de tela/Protótipo de Tela.pptx
+++ b/Documentação/Prototipos de tela/Protótipo de Tela.pptx
@@ -260,7 +260,7 @@
           <a:p>
             <a:fld id="{4BCB9DE2-452A-4751-92FD-BADCDBFDA033}" type="datetimeFigureOut">
               <a:rPr lang="pt-BR" smtClean="0"/>
-              <a:t>17/10/2020</a:t>
+              <a:t>23/10/2020</a:t>
             </a:fld>
             <a:endParaRPr lang="pt-BR"/>
           </a:p>
@@ -458,7 +458,7 @@
           <a:p>
             <a:fld id="{4BCB9DE2-452A-4751-92FD-BADCDBFDA033}" type="datetimeFigureOut">
               <a:rPr lang="pt-BR" smtClean="0"/>
-              <a:t>17/10/2020</a:t>
+              <a:t>23/10/2020</a:t>
             </a:fld>
             <a:endParaRPr lang="pt-BR"/>
           </a:p>
@@ -666,7 +666,7 @@
           <a:p>
             <a:fld id="{4BCB9DE2-452A-4751-92FD-BADCDBFDA033}" type="datetimeFigureOut">
               <a:rPr lang="pt-BR" smtClean="0"/>
-              <a:t>17/10/2020</a:t>
+              <a:t>23/10/2020</a:t>
             </a:fld>
             <a:endParaRPr lang="pt-BR"/>
           </a:p>
@@ -864,7 +864,7 @@
           <a:p>
             <a:fld id="{4BCB9DE2-452A-4751-92FD-BADCDBFDA033}" type="datetimeFigureOut">
               <a:rPr lang="pt-BR" smtClean="0"/>
-              <a:t>17/10/2020</a:t>
+              <a:t>23/10/2020</a:t>
             </a:fld>
             <a:endParaRPr lang="pt-BR"/>
           </a:p>
@@ -1139,7 +1139,7 @@
           <a:p>
             <a:fld id="{4BCB9DE2-452A-4751-92FD-BADCDBFDA033}" type="datetimeFigureOut">
               <a:rPr lang="pt-BR" smtClean="0"/>
-              <a:t>17/10/2020</a:t>
+              <a:t>23/10/2020</a:t>
             </a:fld>
             <a:endParaRPr lang="pt-BR"/>
           </a:p>
@@ -1404,7 +1404,7 @@
           <a:p>
             <a:fld id="{4BCB9DE2-452A-4751-92FD-BADCDBFDA033}" type="datetimeFigureOut">
               <a:rPr lang="pt-BR" smtClean="0"/>
-              <a:t>17/10/2020</a:t>
+              <a:t>23/10/2020</a:t>
             </a:fld>
             <a:endParaRPr lang="pt-BR"/>
           </a:p>
@@ -1816,7 +1816,7 @@
           <a:p>
             <a:fld id="{4BCB9DE2-452A-4751-92FD-BADCDBFDA033}" type="datetimeFigureOut">
               <a:rPr lang="pt-BR" smtClean="0"/>
-              <a:t>17/10/2020</a:t>
+              <a:t>23/10/2020</a:t>
             </a:fld>
             <a:endParaRPr lang="pt-BR"/>
           </a:p>
@@ -1957,7 +1957,7 @@
           <a:p>
             <a:fld id="{4BCB9DE2-452A-4751-92FD-BADCDBFDA033}" type="datetimeFigureOut">
               <a:rPr lang="pt-BR" smtClean="0"/>
-              <a:t>17/10/2020</a:t>
+              <a:t>23/10/2020</a:t>
             </a:fld>
             <a:endParaRPr lang="pt-BR"/>
           </a:p>
@@ -2070,7 +2070,7 @@
           <a:p>
             <a:fld id="{4BCB9DE2-452A-4751-92FD-BADCDBFDA033}" type="datetimeFigureOut">
               <a:rPr lang="pt-BR" smtClean="0"/>
-              <a:t>17/10/2020</a:t>
+              <a:t>23/10/2020</a:t>
             </a:fld>
             <a:endParaRPr lang="pt-BR"/>
           </a:p>
@@ -2381,7 +2381,7 @@
           <a:p>
             <a:fld id="{4BCB9DE2-452A-4751-92FD-BADCDBFDA033}" type="datetimeFigureOut">
               <a:rPr lang="pt-BR" smtClean="0"/>
-              <a:t>17/10/2020</a:t>
+              <a:t>23/10/2020</a:t>
             </a:fld>
             <a:endParaRPr lang="pt-BR"/>
           </a:p>
@@ -2669,7 +2669,7 @@
           <a:p>
             <a:fld id="{4BCB9DE2-452A-4751-92FD-BADCDBFDA033}" type="datetimeFigureOut">
               <a:rPr lang="pt-BR" smtClean="0"/>
-              <a:t>17/10/2020</a:t>
+              <a:t>23/10/2020</a:t>
             </a:fld>
             <a:endParaRPr lang="pt-BR"/>
           </a:p>
@@ -2910,7 +2910,7 @@
           <a:p>
             <a:fld id="{4BCB9DE2-452A-4751-92FD-BADCDBFDA033}" type="datetimeFigureOut">
               <a:rPr lang="pt-BR" smtClean="0"/>
-              <a:t>17/10/2020</a:t>
+              <a:t>23/10/2020</a:t>
             </a:fld>
             <a:endParaRPr lang="pt-BR"/>
           </a:p>
@@ -3335,36 +3335,6 @@
           <a:chExt cx="0" cy="0"/>
         </a:xfrm>
       </p:grpSpPr>
-      <p:pic>
-        <p:nvPicPr>
-          <p:cNvPr id="5" name="Imagem 4">
-            <a:extLst>
-              <a:ext uri="{FF2B5EF4-FFF2-40B4-BE49-F238E27FC236}">
-                <a16:creationId xmlns:a16="http://schemas.microsoft.com/office/drawing/2014/main" id="{E4F2AF07-184B-469E-BF7F-D02F03A09FEC}"/>
-              </a:ext>
-            </a:extLst>
-          </p:cNvPr>
-          <p:cNvPicPr>
-            <a:picLocks noChangeAspect="1"/>
-          </p:cNvPicPr>
-          <p:nvPr/>
-        </p:nvPicPr>
-        <p:blipFill>
-          <a:blip r:embed="rId2"/>
-          <a:stretch>
-            <a:fillRect/>
-          </a:stretch>
-        </p:blipFill>
-        <p:spPr>
-          <a:xfrm>
-            <a:off x="1219200" y="-45719"/>
-            <a:ext cx="9753600" cy="6949438"/>
-          </a:xfrm>
-          <a:prstGeom prst="rect">
-            <a:avLst/>
-          </a:prstGeom>
-        </p:spPr>
-      </p:pic>
       <p:cxnSp>
         <p:nvCxnSpPr>
           <p:cNvPr id="8" name="Conector reto 7">
@@ -3406,6 +3376,36 @@
           </a:fontRef>
         </p:style>
       </p:cxnSp>
+      <p:pic>
+        <p:nvPicPr>
+          <p:cNvPr id="11" name="Imagem 10">
+            <a:extLst>
+              <a:ext uri="{FF2B5EF4-FFF2-40B4-BE49-F238E27FC236}">
+                <a16:creationId xmlns:a16="http://schemas.microsoft.com/office/drawing/2014/main" id="{1C5CE865-FA64-4B3E-A8B2-FEEE823C139D}"/>
+              </a:ext>
+            </a:extLst>
+          </p:cNvPr>
+          <p:cNvPicPr>
+            <a:picLocks noChangeAspect="1"/>
+          </p:cNvPicPr>
+          <p:nvPr/>
+        </p:nvPicPr>
+        <p:blipFill>
+          <a:blip r:embed="rId2"/>
+          <a:stretch>
+            <a:fillRect/>
+          </a:stretch>
+        </p:blipFill>
+        <p:spPr>
+          <a:xfrm>
+            <a:off x="1643273" y="246530"/>
+            <a:ext cx="8905454" cy="6364940"/>
+          </a:xfrm>
+          <a:prstGeom prst="rect">
+            <a:avLst/>
+          </a:prstGeom>
+        </p:spPr>
+      </p:pic>
     </p:spTree>
     <p:extLst>
       <p:ext uri="{BB962C8B-B14F-4D97-AF65-F5344CB8AC3E}">
@@ -3422,14 +3422,6 @@
 <file path=ppt/slides/slide2.xml><?xml version="1.0" encoding="utf-8"?>
 <p:sld xmlns:a="http://schemas.openxmlformats.org/drawingml/2006/main" xmlns:r="http://schemas.openxmlformats.org/officeDocument/2006/relationships" xmlns:p="http://schemas.openxmlformats.org/presentationml/2006/main">
   <p:cSld>
-    <p:bg>
-      <p:bgPr>
-        <a:solidFill>
-          <a:schemeClr val="bg1"/>
-        </a:solidFill>
-        <a:effectLst/>
-      </p:bgPr>
-    </p:bg>
     <p:spTree>
       <p:nvGrpSpPr>
         <p:cNvPr id="1" name=""/>
@@ -3446,21 +3438,19 @@
       </p:grpSpPr>
       <p:cxnSp>
         <p:nvCxnSpPr>
-          <p:cNvPr id="6" name="Conector reto 5">
-            <a:extLst>
-              <a:ext uri="{FF2B5EF4-FFF2-40B4-BE49-F238E27FC236}">
-                <a16:creationId xmlns:a16="http://schemas.microsoft.com/office/drawing/2014/main" id="{B5F33FE9-33C1-465E-80E4-9789C56D37CA}"/>
-              </a:ext>
-            </a:extLst>
-          </p:cNvPr>
-          <p:cNvCxnSpPr>
-            <a:cxnSpLocks/>
-          </p:cNvCxnSpPr>
+          <p:cNvPr id="8" name="Conector reto 7">
+            <a:extLst>
+              <a:ext uri="{FF2B5EF4-FFF2-40B4-BE49-F238E27FC236}">
+                <a16:creationId xmlns:a16="http://schemas.microsoft.com/office/drawing/2014/main" id="{4D245216-AFDE-4B38-A3E9-116FE2ACC179}"/>
+              </a:ext>
+            </a:extLst>
+          </p:cNvPr>
+          <p:cNvCxnSpPr/>
           <p:nvPr/>
         </p:nvCxnSpPr>
         <p:spPr>
           <a:xfrm>
-            <a:off x="1269435" y="953740"/>
+            <a:off x="1219200" y="914400"/>
             <a:ext cx="0" cy="5989319"/>
           </a:xfrm>
           <a:prstGeom prst="line">
@@ -3492,7 +3482,7 @@
           <p:cNvPr id="3" name="Imagem 2">
             <a:extLst>
               <a:ext uri="{FF2B5EF4-FFF2-40B4-BE49-F238E27FC236}">
-                <a16:creationId xmlns:a16="http://schemas.microsoft.com/office/drawing/2014/main" id="{86822BFB-56A0-412D-A838-FCF942766BD8}"/>
+                <a16:creationId xmlns:a16="http://schemas.microsoft.com/office/drawing/2014/main" id="{C69A4D17-FBA6-46C0-84BD-B18C89E1A213}"/>
               </a:ext>
             </a:extLst>
           </p:cNvPr>
@@ -3509,8 +3499,8 @@
         </p:blipFill>
         <p:spPr>
           <a:xfrm>
-            <a:off x="1269433" y="-65414"/>
-            <a:ext cx="9653132" cy="6923414"/>
+            <a:off x="1749289" y="342303"/>
+            <a:ext cx="8693422" cy="6173394"/>
           </a:xfrm>
           <a:prstGeom prst="rect">
             <a:avLst/>
@@ -3520,7 +3510,7 @@
     </p:spTree>
     <p:extLst>
       <p:ext uri="{BB962C8B-B14F-4D97-AF65-F5344CB8AC3E}">
-        <p14:creationId xmlns:p14="http://schemas.microsoft.com/office/powerpoint/2010/main" val="1448525524"/>
+        <p14:creationId xmlns:p14="http://schemas.microsoft.com/office/powerpoint/2010/main" val="4210142599"/>
       </p:ext>
     </p:extLst>
   </p:cSld>
